--- a/plots/2021_02_09/Ct values_violin plots_by lab.pptx
+++ b/plots/2021_02_09/Ct values_violin plots_by lab.pptx
@@ -48354,7 +48354,7 @@
           </p:nvSpPr>
           <p:spPr>
             <a:xfrm>
-              <a:off x="6909378" y="2268638"/>
+              <a:off x="6909378" y="2267926"/>
               <a:ext cx="488772" cy="62323"/>
             </a:xfrm>
             <a:custGeom>
@@ -48406,7 +48406,7 @@
           </p:nvSpPr>
           <p:spPr>
             <a:xfrm>
-              <a:off x="7452458" y="2438387"/>
+              <a:off x="7452458" y="2436704"/>
               <a:ext cx="488772" cy="70228"/>
             </a:xfrm>
             <a:custGeom>
@@ -48458,7 +48458,7 @@
           </p:nvSpPr>
           <p:spPr>
             <a:xfrm>
-              <a:off x="6909378" y="2299800"/>
+              <a:off x="6909378" y="2299087"/>
               <a:ext cx="488772" cy="0"/>
             </a:xfrm>
             <a:custGeom>
@@ -48498,7 +48498,7 @@
           </p:nvSpPr>
           <p:spPr>
             <a:xfrm>
-              <a:off x="7452458" y="2473501"/>
+              <a:off x="7452458" y="2471818"/>
               <a:ext cx="488772" cy="0"/>
             </a:xfrm>
             <a:custGeom>
@@ -54832,7 +54832,7 @@
           </p:nvSpPr>
           <p:spPr>
             <a:xfrm>
-              <a:off x="6909378" y="4806894"/>
+              <a:off x="6909378" y="4806181"/>
               <a:ext cx="488772" cy="62323"/>
             </a:xfrm>
             <a:custGeom>
@@ -54884,7 +54884,7 @@
           </p:nvSpPr>
           <p:spPr>
             <a:xfrm>
-              <a:off x="7452458" y="4976643"/>
+              <a:off x="7452458" y="4974960"/>
               <a:ext cx="488772" cy="70228"/>
             </a:xfrm>
             <a:custGeom>
@@ -54936,7 +54936,7 @@
           </p:nvSpPr>
           <p:spPr>
             <a:xfrm>
-              <a:off x="6909378" y="4838056"/>
+              <a:off x="6909378" y="4837343"/>
               <a:ext cx="488772" cy="0"/>
             </a:xfrm>
             <a:custGeom>
@@ -54976,7 +54976,7 @@
           </p:nvSpPr>
           <p:spPr>
             <a:xfrm>
-              <a:off x="7452458" y="5011757"/>
+              <a:off x="7452458" y="5010074"/>
               <a:ext cx="488772" cy="0"/>
             </a:xfrm>
             <a:custGeom>
